--- a/Presentation.Restore.pptx
+++ b/Presentation.Restore.pptx
@@ -3710,7 +3710,7 @@
         <p:spPr>
           <a:xfrm>
             <a:off x="838200" y="1409700"/>
-            <a:ext cx="9934575" cy="5089423"/>
+            <a:ext cx="9934575" cy="5311775"/>
           </a:xfrm>
           <a:prstGeom prst="rect">
             <a:avLst/>
@@ -3718,7 +3718,7 @@
         </p:spPr>
         <p:txBody>
           <a:bodyPr vert="horz" lIns="91440" tIns="45720" rIns="91440" bIns="45720" rtlCol="0">
-            <a:normAutofit fontScale="85000" lnSpcReduction="20000"/>
+            <a:normAutofit fontScale="70000" lnSpcReduction="20000"/>
           </a:bodyPr>
           <a:lstStyle>
             <a:lvl1pPr marL="0" indent="0" algn="ctr" defTabSz="914400" rtl="0" eaLnBrk="1" latinLnBrk="0" hangingPunct="1">
@@ -3887,107 +3887,53 @@
           <a:p>
             <a:pPr algn="l"/>
             <a:r>
+              <a:rPr lang="en-US" b="1">
+                <a:solidFill>
+                  <a:srgbClr val="C00000"/>
+                </a:solidFill>
+              </a:rPr>
+              <a:t>LOG_ARCHIVE_CONFIG=</a:t>
+            </a:r>
+            <a:r>
+              <a:rPr lang="en-US" b="1">
+                <a:solidFill>
+                  <a:srgbClr val="C00000"/>
+                </a:solidFill>
+              </a:rPr>
+              <a:t>'</a:t>
+            </a:r>
+            <a:r>
+              <a:rPr lang="en-US" b="1" i="1">
+                <a:solidFill>
+                  <a:srgbClr val="C00000"/>
+                </a:solidFill>
+              </a:rPr>
+              <a:t>DG_CONFIG</a:t>
+            </a:r>
+            <a:r>
+              <a:rPr lang="en-US" b="1" i="1" dirty="0">
+                <a:solidFill>
+                  <a:srgbClr val="C00000"/>
+                </a:solidFill>
+              </a:rPr>
+              <a:t>=</a:t>
+            </a:r>
+            <a:r>
+              <a:rPr lang="en-US" i="1" dirty="0">
+                <a:solidFill>
+                  <a:srgbClr val="C00000"/>
+                </a:solidFill>
+              </a:rPr>
+              <a:t>(prim, snby1, snby2, snby3…)</a:t>
+            </a:r>
+            <a:r>
               <a:rPr lang="en-US" b="1" dirty="0">
                 <a:solidFill>
-                  <a:srgbClr val="C00000"/>
-                </a:solidFill>
-              </a:rPr>
-              <a:t>DB_NAME=…                         </a:t>
-            </a:r>
-            <a:r>
-              <a:rPr lang="en-US" i="1" dirty="0">
-                <a:solidFill>
-                  <a:srgbClr val="C00000"/>
-                </a:solidFill>
-              </a:rPr>
-              <a:t># same for all DB in ODG</a:t>
-            </a:r>
-          </a:p>
-          <a:p>
-            <a:pPr algn="l"/>
-            <a:r>
-              <a:rPr lang="en-US" b="1" dirty="0">
-                <a:solidFill>
-                  <a:srgbClr val="C00000"/>
-                </a:solidFill>
-              </a:rPr>
-              <a:t>DB_UNIQUE_NAME=…        </a:t>
-            </a:r>
-            <a:r>
-              <a:rPr lang="en-US" i="1" dirty="0">
-                <a:solidFill>
-                  <a:srgbClr val="C00000"/>
-                </a:solidFill>
-              </a:rPr>
-              <a:t># unique for all DB in ODG</a:t>
-            </a:r>
-          </a:p>
-          <a:p>
-            <a:pPr algn="l"/>
-            <a:r>
-              <a:rPr lang="en-US" b="1" dirty="0">
-                <a:solidFill>
-                  <a:srgbClr val="C00000"/>
-                </a:solidFill>
-              </a:rPr>
-              <a:t>INSTANCE_NAME=…</a:t>
-            </a:r>
-          </a:p>
-          <a:p>
-            <a:pPr algn="l"/>
-            <a:r>
-              <a:rPr lang="en-US" b="1" dirty="0">
-                <a:solidFill>
-                  <a:srgbClr val="C00000"/>
-                </a:solidFill>
-              </a:rPr>
-              <a:t>SERVICE_NAMES=…</a:t>
-            </a:r>
-            <a:r>
-              <a:rPr lang="en-US" dirty="0">
-                <a:solidFill>
-                  <a:srgbClr val="C00000"/>
-                </a:solidFill>
-              </a:rPr>
-              <a:t>             </a:t>
-            </a:r>
-            <a:r>
-              <a:rPr lang="en-US" i="1" dirty="0">
-                <a:solidFill>
-                  <a:srgbClr val="C00000"/>
-                </a:solidFill>
-              </a:rPr>
-              <a:t># related to </a:t>
-            </a:r>
-            <a:r>
-              <a:rPr lang="en-US" i="1" dirty="0" err="1">
-                <a:solidFill>
-                  <a:srgbClr val="C00000"/>
-                </a:solidFill>
-              </a:rPr>
-              <a:t>listener.ora</a:t>
-            </a:r>
-            <a:r>
-              <a:rPr lang="en-US" i="1" dirty="0">
-                <a:solidFill>
-                  <a:srgbClr val="C00000"/>
-                </a:solidFill>
-              </a:rPr>
-              <a:t> and </a:t>
-            </a:r>
-            <a:r>
-              <a:rPr lang="en-US" i="1" dirty="0" err="1">
-                <a:solidFill>
-                  <a:srgbClr val="C00000"/>
-                </a:solidFill>
-              </a:rPr>
-              <a:t>tnsnames.ora</a:t>
-            </a:r>
-            <a:endParaRPr lang="en-US" i="1" dirty="0">
-              <a:solidFill>
-                <a:srgbClr val="C00000"/>
-              </a:solidFill>
-            </a:endParaRPr>
+                  <a:srgbClr val="CC3333"/>
+                </a:solidFill>
+              </a:rPr>
+              <a:t>'</a:t>
+            </a:r>
           </a:p>
           <a:p>
             <a:pPr algn="l"/>
@@ -4005,7 +3951,72 @@
                   <a:srgbClr val="C00000"/>
                 </a:solidFill>
               </a:rPr>
-              <a:t>FAL_SERVER= </a:t>
+              <a:t>DB_NAME=…                         </a:t>
+            </a:r>
+            <a:r>
+              <a:rPr lang="en-US" i="1" dirty="0">
+                <a:solidFill>
+                  <a:srgbClr val="C00000"/>
+                </a:solidFill>
+              </a:rPr>
+              <a:t># same for all DB in ODG</a:t>
+            </a:r>
+          </a:p>
+          <a:p>
+            <a:pPr algn="l"/>
+            <a:r>
+              <a:rPr lang="en-US" b="1" dirty="0">
+                <a:solidFill>
+                  <a:srgbClr val="C00000"/>
+                </a:solidFill>
+              </a:rPr>
+              <a:t>DB_UNIQUE_NAME=…        </a:t>
+            </a:r>
+            <a:r>
+              <a:rPr lang="en-US" i="1" dirty="0">
+                <a:solidFill>
+                  <a:srgbClr val="C00000"/>
+                </a:solidFill>
+              </a:rPr>
+              <a:t># unique for all DB in ODG</a:t>
+            </a:r>
+          </a:p>
+          <a:p>
+            <a:pPr algn="l"/>
+            <a:r>
+              <a:rPr lang="en-US" b="1" dirty="0">
+                <a:solidFill>
+                  <a:srgbClr val="C00000"/>
+                </a:solidFill>
+              </a:rPr>
+              <a:t>INSTANCE_NAME=…</a:t>
+            </a:r>
+          </a:p>
+          <a:p>
+            <a:pPr algn="l"/>
+            <a:r>
+              <a:rPr lang="en-US" b="1" dirty="0">
+                <a:solidFill>
+                  <a:srgbClr val="C00000"/>
+                </a:solidFill>
+              </a:rPr>
+              <a:t>SERVICE_NAMES=…</a:t>
+            </a:r>
+            <a:r>
+              <a:rPr lang="en-US" dirty="0">
+                <a:solidFill>
+                  <a:srgbClr val="C00000"/>
+                </a:solidFill>
+              </a:rPr>
+              <a:t>             </a:t>
+            </a:r>
+            <a:r>
+              <a:rPr lang="en-US" i="1" dirty="0">
+                <a:solidFill>
+                  <a:srgbClr val="C00000"/>
+                </a:solidFill>
+              </a:rPr>
+              <a:t># related to </a:t>
             </a:r>
             <a:r>
               <a:rPr lang="en-US" i="1" dirty="0" err="1">
@@ -4013,32 +4024,29 @@
                   <a:srgbClr val="C00000"/>
                 </a:solidFill>
               </a:rPr>
-              <a:t>PrimaryNetServiceName</a:t>
+              <a:t>listener.ora</a:t>
+            </a:r>
+            <a:r>
+              <a:rPr lang="en-US" i="1" dirty="0">
+                <a:solidFill>
+                  <a:srgbClr val="C00000"/>
+                </a:solidFill>
+              </a:rPr>
+              <a:t> and </a:t>
+            </a:r>
+            <a:r>
+              <a:rPr lang="en-US" i="1" dirty="0" err="1">
+                <a:solidFill>
+                  <a:srgbClr val="C00000"/>
+                </a:solidFill>
+              </a:rPr>
+              <a:t>tnsnames.ora</a:t>
             </a:r>
             <a:endParaRPr lang="en-US" i="1" dirty="0">
               <a:solidFill>
                 <a:srgbClr val="C00000"/>
               </a:solidFill>
             </a:endParaRPr>
-          </a:p>
-          <a:p>
-            <a:pPr algn="l"/>
-            <a:r>
-              <a:rPr lang="en-US" b="1" dirty="0">
-                <a:solidFill>
-                  <a:srgbClr val="C00000"/>
-                </a:solidFill>
-              </a:rPr>
-              <a:t>FAL_CLIENT= </a:t>
-            </a:r>
-            <a:r>
-              <a:rPr lang="en-US" i="1" dirty="0">
-                <a:solidFill>
-                  <a:srgbClr val="C00000"/>
-                </a:solidFill>
-              </a:rPr>
-              <a:t>Me</a:t>
-            </a:r>
           </a:p>
           <a:p>
             <a:pPr algn="l"/>
@@ -4051,6 +4059,57 @@
           <a:p>
             <a:pPr algn="l"/>
             <a:r>
+              <a:rPr lang="en-US" b="1" dirty="0">
+                <a:solidFill>
+                  <a:srgbClr val="C00000"/>
+                </a:solidFill>
+              </a:rPr>
+              <a:t>FAL_SERVER= </a:t>
+            </a:r>
+            <a:r>
+              <a:rPr lang="en-US" i="1" dirty="0" err="1">
+                <a:solidFill>
+                  <a:srgbClr val="C00000"/>
+                </a:solidFill>
+              </a:rPr>
+              <a:t>PrimaryNetServiceName</a:t>
+            </a:r>
+            <a:endParaRPr lang="en-US" i="1" dirty="0">
+              <a:solidFill>
+                <a:srgbClr val="C00000"/>
+              </a:solidFill>
+            </a:endParaRPr>
+          </a:p>
+          <a:p>
+            <a:pPr algn="l"/>
+            <a:r>
+              <a:rPr lang="en-US" b="1" dirty="0">
+                <a:solidFill>
+                  <a:srgbClr val="C00000"/>
+                </a:solidFill>
+              </a:rPr>
+              <a:t>FAL_CLIENT= </a:t>
+            </a:r>
+            <a:r>
+              <a:rPr lang="en-US" i="1" dirty="0">
+                <a:solidFill>
+                  <a:srgbClr val="C00000"/>
+                </a:solidFill>
+              </a:rPr>
+              <a:t>Me</a:t>
+            </a:r>
+          </a:p>
+          <a:p>
+            <a:pPr algn="l"/>
+            <a:endParaRPr lang="en-US" b="1" dirty="0">
+              <a:solidFill>
+                <a:srgbClr val="C00000"/>
+              </a:solidFill>
+            </a:endParaRPr>
+          </a:p>
+          <a:p>
+            <a:pPr algn="l"/>
+            <a:r>
               <a:rPr lang="en-US" b="1" dirty="0" err="1">
                 <a:solidFill>
                   <a:srgbClr val="C00000"/>
@@ -4150,13 +4209,18 @@
               <a:t>ENABLE | DEFER</a:t>
             </a:r>
             <a:r>
-              <a:rPr lang="en-US" dirty="0">
-                <a:solidFill>
-                  <a:srgbClr val="C00000"/>
-                </a:solidFill>
-              </a:rPr>
-              <a:t>‘</a:t>
-            </a:r>
+              <a:rPr lang="en-US" b="1" dirty="0">
+                <a:solidFill>
+                  <a:srgbClr val="C00000"/>
+                </a:solidFill>
+              </a:rPr>
+              <a:t>'</a:t>
+            </a:r>
+            <a:endParaRPr lang="en-US" dirty="0">
+              <a:solidFill>
+                <a:srgbClr val="C00000"/>
+              </a:solidFill>
+            </a:endParaRPr>
           </a:p>
           <a:p>
             <a:pPr algn="l"/>
